--- a/Schemes/Fig1_In vivo efficacy_DK.pptx
+++ b/Schemes/Fig1_In vivo efficacy_DK.pptx
@@ -243,7 +243,7 @@
           <a:p>
             <a:fld id="{2D85E8BA-DC60-4B90-B41C-2E99493F9ADA}" type="datetimeFigureOut">
               <a:rPr lang="en-US" smtClean="0"/>
-              <a:t>7/2/2021</a:t>
+              <a:t>7/8/2021</a:t>
             </a:fld>
             <a:endParaRPr lang="en-US"/>
           </a:p>
@@ -413,7 +413,7 @@
           <a:p>
             <a:fld id="{2D85E8BA-DC60-4B90-B41C-2E99493F9ADA}" type="datetimeFigureOut">
               <a:rPr lang="en-US" smtClean="0"/>
-              <a:t>7/2/2021</a:t>
+              <a:t>7/8/2021</a:t>
             </a:fld>
             <a:endParaRPr lang="en-US"/>
           </a:p>
@@ -593,7 +593,7 @@
           <a:p>
             <a:fld id="{2D85E8BA-DC60-4B90-B41C-2E99493F9ADA}" type="datetimeFigureOut">
               <a:rPr lang="en-US" smtClean="0"/>
-              <a:t>7/2/2021</a:t>
+              <a:t>7/8/2021</a:t>
             </a:fld>
             <a:endParaRPr lang="en-US"/>
           </a:p>
@@ -763,7 +763,7 @@
           <a:p>
             <a:fld id="{2D85E8BA-DC60-4B90-B41C-2E99493F9ADA}" type="datetimeFigureOut">
               <a:rPr lang="en-US" smtClean="0"/>
-              <a:t>7/2/2021</a:t>
+              <a:t>7/8/2021</a:t>
             </a:fld>
             <a:endParaRPr lang="en-US"/>
           </a:p>
@@ -1007,7 +1007,7 @@
           <a:p>
             <a:fld id="{2D85E8BA-DC60-4B90-B41C-2E99493F9ADA}" type="datetimeFigureOut">
               <a:rPr lang="en-US" smtClean="0"/>
-              <a:t>7/2/2021</a:t>
+              <a:t>7/8/2021</a:t>
             </a:fld>
             <a:endParaRPr lang="en-US"/>
           </a:p>
@@ -1239,7 +1239,7 @@
           <a:p>
             <a:fld id="{2D85E8BA-DC60-4B90-B41C-2E99493F9ADA}" type="datetimeFigureOut">
               <a:rPr lang="en-US" smtClean="0"/>
-              <a:t>7/2/2021</a:t>
+              <a:t>7/8/2021</a:t>
             </a:fld>
             <a:endParaRPr lang="en-US"/>
           </a:p>
@@ -1606,7 +1606,7 @@
           <a:p>
             <a:fld id="{2D85E8BA-DC60-4B90-B41C-2E99493F9ADA}" type="datetimeFigureOut">
               <a:rPr lang="en-US" smtClean="0"/>
-              <a:t>7/2/2021</a:t>
+              <a:t>7/8/2021</a:t>
             </a:fld>
             <a:endParaRPr lang="en-US"/>
           </a:p>
@@ -1724,7 +1724,7 @@
           <a:p>
             <a:fld id="{2D85E8BA-DC60-4B90-B41C-2E99493F9ADA}" type="datetimeFigureOut">
               <a:rPr lang="en-US" smtClean="0"/>
-              <a:t>7/2/2021</a:t>
+              <a:t>7/8/2021</a:t>
             </a:fld>
             <a:endParaRPr lang="en-US"/>
           </a:p>
@@ -1819,7 +1819,7 @@
           <a:p>
             <a:fld id="{2D85E8BA-DC60-4B90-B41C-2E99493F9ADA}" type="datetimeFigureOut">
               <a:rPr lang="en-US" smtClean="0"/>
-              <a:t>7/2/2021</a:t>
+              <a:t>7/8/2021</a:t>
             </a:fld>
             <a:endParaRPr lang="en-US"/>
           </a:p>
@@ -2096,7 +2096,7 @@
           <a:p>
             <a:fld id="{2D85E8BA-DC60-4B90-B41C-2E99493F9ADA}" type="datetimeFigureOut">
               <a:rPr lang="en-US" smtClean="0"/>
-              <a:t>7/2/2021</a:t>
+              <a:t>7/8/2021</a:t>
             </a:fld>
             <a:endParaRPr lang="en-US"/>
           </a:p>
@@ -2353,7 +2353,7 @@
           <a:p>
             <a:fld id="{2D85E8BA-DC60-4B90-B41C-2E99493F9ADA}" type="datetimeFigureOut">
               <a:rPr lang="en-US" smtClean="0"/>
-              <a:t>7/2/2021</a:t>
+              <a:t>7/8/2021</a:t>
             </a:fld>
             <a:endParaRPr lang="en-US"/>
           </a:p>
@@ -2566,7 +2566,7 @@
           <a:p>
             <a:fld id="{2D85E8BA-DC60-4B90-B41C-2E99493F9ADA}" type="datetimeFigureOut">
               <a:rPr lang="en-US" smtClean="0"/>
-              <a:t>7/2/2021</a:t>
+              <a:t>7/8/2021</a:t>
             </a:fld>
             <a:endParaRPr lang="en-US"/>
           </a:p>
@@ -3201,8 +3201,8 @@
         </p:nvSpPr>
         <p:spPr>
           <a:xfrm>
-            <a:off x="149774" y="3509870"/>
-            <a:ext cx="1590500" cy="738664"/>
+            <a:off x="149773" y="3509870"/>
+            <a:ext cx="1718713" cy="738664"/>
           </a:xfrm>
           <a:prstGeom prst="rect">
             <a:avLst/>
@@ -3218,8 +3218,8 @@
             <a:pPr algn="ctr"/>
             <a:r>
               <a:rPr lang="en-US" sz="1400" b="1" dirty="0">
-                <a:latin typeface="Times New Roman" panose="02020603050405020304" pitchFamily="18" charset="0"/>
-                <a:cs typeface="Times New Roman" panose="02020603050405020304" pitchFamily="18" charset="0"/>
+                <a:latin typeface="Arial" panose="020B0604020202020204" pitchFamily="34" charset="0"/>
+                <a:cs typeface="Arial" panose="020B0604020202020204" pitchFamily="34" charset="0"/>
               </a:rPr>
               <a:t>MMV639565</a:t>
             </a:r>
@@ -3228,73 +3228,73 @@
             <a:pPr algn="ctr"/>
             <a:r>
               <a:rPr lang="en-US" sz="1400" dirty="0">
-                <a:latin typeface="Times New Roman" panose="02020603050405020304" pitchFamily="18" charset="0"/>
-                <a:cs typeface="Times New Roman" panose="02020603050405020304" pitchFamily="18" charset="0"/>
+                <a:latin typeface="Arial" panose="020B0604020202020204" pitchFamily="34" charset="0"/>
+                <a:cs typeface="Arial" panose="020B0604020202020204" pitchFamily="34" charset="0"/>
               </a:rPr>
               <a:t>R</a:t>
             </a:r>
             <a:r>
               <a:rPr lang="en-US" sz="1400" baseline="30000" dirty="0">
-                <a:latin typeface="Times New Roman" panose="02020603050405020304" pitchFamily="18" charset="0"/>
-                <a:cs typeface="Times New Roman" panose="02020603050405020304" pitchFamily="18" charset="0"/>
+                <a:latin typeface="Arial" panose="020B0604020202020204" pitchFamily="34" charset="0"/>
+                <a:cs typeface="Arial" panose="020B0604020202020204" pitchFamily="34" charset="0"/>
               </a:rPr>
               <a:t>1</a:t>
             </a:r>
             <a:r>
               <a:rPr lang="en-US" sz="1400" dirty="0">
-                <a:latin typeface="Times New Roman" panose="02020603050405020304" pitchFamily="18" charset="0"/>
-                <a:cs typeface="Times New Roman" panose="02020603050405020304" pitchFamily="18" charset="0"/>
+                <a:latin typeface="Arial" panose="020B0604020202020204" pitchFamily="34" charset="0"/>
+                <a:cs typeface="Arial" panose="020B0604020202020204" pitchFamily="34" charset="0"/>
               </a:rPr>
               <a:t> = H, R</a:t>
             </a:r>
             <a:r>
               <a:rPr lang="en-US" sz="1400" baseline="30000" dirty="0">
-                <a:latin typeface="Times New Roman" panose="02020603050405020304" pitchFamily="18" charset="0"/>
-                <a:cs typeface="Times New Roman" panose="02020603050405020304" pitchFamily="18" charset="0"/>
+                <a:latin typeface="Arial" panose="020B0604020202020204" pitchFamily="34" charset="0"/>
+                <a:cs typeface="Arial" panose="020B0604020202020204" pitchFamily="34" charset="0"/>
               </a:rPr>
               <a:t>2</a:t>
             </a:r>
             <a:r>
               <a:rPr lang="en-US" sz="1400" dirty="0">
-                <a:latin typeface="Times New Roman" panose="02020603050405020304" pitchFamily="18" charset="0"/>
-                <a:cs typeface="Times New Roman" panose="02020603050405020304" pitchFamily="18" charset="0"/>
+                <a:latin typeface="Arial" panose="020B0604020202020204" pitchFamily="34" charset="0"/>
+                <a:cs typeface="Arial" panose="020B0604020202020204" pitchFamily="34" charset="0"/>
               </a:rPr>
-              <a:t> = Cl</a:t>
+              <a:t> =Cl</a:t>
             </a:r>
           </a:p>
           <a:p>
             <a:pPr algn="ctr"/>
             <a:r>
               <a:rPr lang="en-US" sz="1400" i="1" dirty="0" err="1">
-                <a:latin typeface="Times New Roman" panose="02020603050405020304" pitchFamily="18" charset="0"/>
-                <a:cs typeface="Times New Roman" panose="02020603050405020304" pitchFamily="18" charset="0"/>
+                <a:latin typeface="Arial" panose="020B0604020202020204" pitchFamily="34" charset="0"/>
+                <a:cs typeface="Arial" panose="020B0604020202020204" pitchFamily="34" charset="0"/>
               </a:rPr>
               <a:t>Pf</a:t>
             </a:r>
             <a:r>
               <a:rPr lang="en-US" sz="1400" dirty="0">
-                <a:latin typeface="Times New Roman" panose="02020603050405020304" pitchFamily="18" charset="0"/>
-                <a:cs typeface="Times New Roman" panose="02020603050405020304" pitchFamily="18" charset="0"/>
+                <a:latin typeface="Arial" panose="020B0604020202020204" pitchFamily="34" charset="0"/>
+                <a:cs typeface="Arial" panose="020B0604020202020204" pitchFamily="34" charset="0"/>
               </a:rPr>
               <a:t> IC</a:t>
             </a:r>
             <a:r>
               <a:rPr lang="en-US" sz="1400" baseline="-25000" dirty="0">
-                <a:latin typeface="Times New Roman" panose="02020603050405020304" pitchFamily="18" charset="0"/>
-                <a:cs typeface="Times New Roman" panose="02020603050405020304" pitchFamily="18" charset="0"/>
+                <a:latin typeface="Arial" panose="020B0604020202020204" pitchFamily="34" charset="0"/>
+                <a:cs typeface="Arial" panose="020B0604020202020204" pitchFamily="34" charset="0"/>
               </a:rPr>
               <a:t>50</a:t>
             </a:r>
             <a:r>
               <a:rPr lang="en-US" sz="1400" dirty="0">
-                <a:latin typeface="Times New Roman" panose="02020603050405020304" pitchFamily="18" charset="0"/>
-                <a:cs typeface="Times New Roman" panose="02020603050405020304" pitchFamily="18" charset="0"/>
+                <a:latin typeface="Arial" panose="020B0604020202020204" pitchFamily="34" charset="0"/>
+                <a:cs typeface="Arial" panose="020B0604020202020204" pitchFamily="34" charset="0"/>
               </a:rPr>
               <a:t> = 0.091 µM</a:t>
             </a:r>
             <a:endParaRPr lang="en-US" sz="1600" dirty="0">
-              <a:latin typeface="Times New Roman" panose="02020603050405020304" pitchFamily="18" charset="0"/>
-              <a:cs typeface="Times New Roman" panose="02020603050405020304" pitchFamily="18" charset="0"/>
+              <a:latin typeface="Arial" panose="020B0604020202020204" pitchFamily="34" charset="0"/>
+              <a:cs typeface="Arial" panose="020B0604020202020204" pitchFamily="34" charset="0"/>
             </a:endParaRPr>
           </a:p>
         </p:txBody>
@@ -3313,8 +3313,8 @@
         </p:nvSpPr>
         <p:spPr>
           <a:xfrm>
-            <a:off x="1970707" y="3509870"/>
-            <a:ext cx="1734770" cy="738664"/>
+            <a:off x="1932235" y="3509870"/>
+            <a:ext cx="1811714" cy="738664"/>
           </a:xfrm>
           <a:prstGeom prst="rect">
             <a:avLst/>
@@ -3330,8 +3330,8 @@
             <a:pPr algn="ctr"/>
             <a:r>
               <a:rPr lang="en-US" sz="1400" b="1" dirty="0">
-                <a:latin typeface="Times New Roman" panose="02020603050405020304" pitchFamily="18" charset="0"/>
-                <a:cs typeface="Times New Roman" panose="02020603050405020304" pitchFamily="18" charset="0"/>
+                <a:latin typeface="Arial" panose="020B0604020202020204" pitchFamily="34" charset="0"/>
+                <a:cs typeface="Arial" panose="020B0604020202020204" pitchFamily="34" charset="0"/>
               </a:rPr>
               <a:t>MMV669844</a:t>
             </a:r>
@@ -3340,50 +3340,50 @@
             <a:pPr algn="ctr"/>
             <a:r>
               <a:rPr lang="en-US" sz="1400" dirty="0">
-                <a:latin typeface="Times New Roman" panose="02020603050405020304" pitchFamily="18" charset="0"/>
-                <a:cs typeface="Times New Roman" panose="02020603050405020304" pitchFamily="18" charset="0"/>
+                <a:latin typeface="Arial" panose="020B0604020202020204" pitchFamily="34" charset="0"/>
+                <a:cs typeface="Arial" panose="020B0604020202020204" pitchFamily="34" charset="0"/>
               </a:rPr>
               <a:t>R</a:t>
             </a:r>
             <a:r>
               <a:rPr lang="en-US" sz="1400" baseline="30000" dirty="0">
-                <a:latin typeface="Times New Roman" panose="02020603050405020304" pitchFamily="18" charset="0"/>
-                <a:cs typeface="Times New Roman" panose="02020603050405020304" pitchFamily="18" charset="0"/>
+                <a:latin typeface="Arial" panose="020B0604020202020204" pitchFamily="34" charset="0"/>
+                <a:cs typeface="Arial" panose="020B0604020202020204" pitchFamily="34" charset="0"/>
               </a:rPr>
               <a:t>1</a:t>
             </a:r>
             <a:r>
               <a:rPr lang="en-US" sz="1400" dirty="0">
-                <a:latin typeface="Times New Roman" panose="02020603050405020304" pitchFamily="18" charset="0"/>
-                <a:cs typeface="Times New Roman" panose="02020603050405020304" pitchFamily="18" charset="0"/>
+                <a:latin typeface="Arial" panose="020B0604020202020204" pitchFamily="34" charset="0"/>
+                <a:cs typeface="Arial" panose="020B0604020202020204" pitchFamily="34" charset="0"/>
               </a:rPr>
               <a:t> = OCH</a:t>
             </a:r>
             <a:r>
               <a:rPr lang="en-US" sz="1400" baseline="-25000" dirty="0">
-                <a:latin typeface="Times New Roman" panose="02020603050405020304" pitchFamily="18" charset="0"/>
-                <a:cs typeface="Times New Roman" panose="02020603050405020304" pitchFamily="18" charset="0"/>
+                <a:latin typeface="Arial" panose="020B0604020202020204" pitchFamily="34" charset="0"/>
+                <a:cs typeface="Arial" panose="020B0604020202020204" pitchFamily="34" charset="0"/>
               </a:rPr>
               <a:t>3</a:t>
             </a:r>
             <a:r>
               <a:rPr lang="en-US" sz="1400" dirty="0">
-                <a:latin typeface="Times New Roman" panose="02020603050405020304" pitchFamily="18" charset="0"/>
-                <a:cs typeface="Times New Roman" panose="02020603050405020304" pitchFamily="18" charset="0"/>
+                <a:latin typeface="Arial" panose="020B0604020202020204" pitchFamily="34" charset="0"/>
+                <a:cs typeface="Arial" panose="020B0604020202020204" pitchFamily="34" charset="0"/>
               </a:rPr>
               <a:t>, R</a:t>
             </a:r>
             <a:r>
               <a:rPr lang="en-US" sz="1400" baseline="30000" dirty="0">
-                <a:latin typeface="Times New Roman" panose="02020603050405020304" pitchFamily="18" charset="0"/>
-                <a:cs typeface="Times New Roman" panose="02020603050405020304" pitchFamily="18" charset="0"/>
+                <a:latin typeface="Arial" panose="020B0604020202020204" pitchFamily="34" charset="0"/>
+                <a:cs typeface="Arial" panose="020B0604020202020204" pitchFamily="34" charset="0"/>
               </a:rPr>
               <a:t>2</a:t>
             </a:r>
             <a:r>
               <a:rPr lang="en-US" sz="1400" dirty="0">
-                <a:latin typeface="Times New Roman" panose="02020603050405020304" pitchFamily="18" charset="0"/>
-                <a:cs typeface="Times New Roman" panose="02020603050405020304" pitchFamily="18" charset="0"/>
+                <a:latin typeface="Arial" panose="020B0604020202020204" pitchFamily="34" charset="0"/>
+                <a:cs typeface="Arial" panose="020B0604020202020204" pitchFamily="34" charset="0"/>
               </a:rPr>
               <a:t> = CN</a:t>
             </a:r>
@@ -3392,35 +3392,35 @@
             <a:pPr algn="ctr"/>
             <a:r>
               <a:rPr lang="en-US" sz="1400" i="1" dirty="0" err="1">
-                <a:latin typeface="Times New Roman" panose="02020603050405020304" pitchFamily="18" charset="0"/>
-                <a:cs typeface="Times New Roman" panose="02020603050405020304" pitchFamily="18" charset="0"/>
+                <a:latin typeface="Arial" panose="020B0604020202020204" pitchFamily="34" charset="0"/>
+                <a:cs typeface="Arial" panose="020B0604020202020204" pitchFamily="34" charset="0"/>
               </a:rPr>
               <a:t>Pf</a:t>
             </a:r>
             <a:r>
               <a:rPr lang="en-US" sz="1400" dirty="0">
-                <a:latin typeface="Times New Roman" panose="02020603050405020304" pitchFamily="18" charset="0"/>
-                <a:cs typeface="Times New Roman" panose="02020603050405020304" pitchFamily="18" charset="0"/>
+                <a:latin typeface="Arial" panose="020B0604020202020204" pitchFamily="34" charset="0"/>
+                <a:cs typeface="Arial" panose="020B0604020202020204" pitchFamily="34" charset="0"/>
               </a:rPr>
               <a:t> IC</a:t>
             </a:r>
             <a:r>
               <a:rPr lang="en-US" sz="1400" baseline="-25000" dirty="0">
-                <a:latin typeface="Times New Roman" panose="02020603050405020304" pitchFamily="18" charset="0"/>
-                <a:cs typeface="Times New Roman" panose="02020603050405020304" pitchFamily="18" charset="0"/>
+                <a:latin typeface="Arial" panose="020B0604020202020204" pitchFamily="34" charset="0"/>
+                <a:cs typeface="Arial" panose="020B0604020202020204" pitchFamily="34" charset="0"/>
               </a:rPr>
               <a:t>50</a:t>
             </a:r>
             <a:r>
               <a:rPr lang="en-US" sz="1400" dirty="0">
-                <a:latin typeface="Times New Roman" panose="02020603050405020304" pitchFamily="18" charset="0"/>
-                <a:cs typeface="Times New Roman" panose="02020603050405020304" pitchFamily="18" charset="0"/>
+                <a:latin typeface="Arial" panose="020B0604020202020204" pitchFamily="34" charset="0"/>
+                <a:cs typeface="Arial" panose="020B0604020202020204" pitchFamily="34" charset="0"/>
               </a:rPr>
               <a:t> = 0.040 µM</a:t>
             </a:r>
             <a:endParaRPr lang="en-US" sz="1600" dirty="0">
-              <a:latin typeface="Times New Roman" panose="02020603050405020304" pitchFamily="18" charset="0"/>
-              <a:cs typeface="Times New Roman" panose="02020603050405020304" pitchFamily="18" charset="0"/>
+              <a:latin typeface="Arial" panose="020B0604020202020204" pitchFamily="34" charset="0"/>
+              <a:cs typeface="Arial" panose="020B0604020202020204" pitchFamily="34" charset="0"/>
             </a:endParaRPr>
           </a:p>
         </p:txBody>
@@ -3439,8 +3439,8 @@
         </p:nvSpPr>
         <p:spPr>
           <a:xfrm>
-            <a:off x="939830" y="4283114"/>
-            <a:ext cx="1834156" cy="738664"/>
+            <a:off x="896549" y="4283114"/>
+            <a:ext cx="1920719" cy="738664"/>
           </a:xfrm>
           <a:prstGeom prst="rect">
             <a:avLst/>
@@ -3456,8 +3456,8 @@
             <a:pPr algn="ctr"/>
             <a:r>
               <a:rPr lang="en-US" sz="1400" b="1" dirty="0">
-                <a:latin typeface="Times New Roman" panose="02020603050405020304" pitchFamily="18" charset="0"/>
-                <a:cs typeface="Times New Roman" panose="02020603050405020304" pitchFamily="18" charset="0"/>
+                <a:latin typeface="Arial" panose="020B0604020202020204" pitchFamily="34" charset="0"/>
+                <a:cs typeface="Arial" panose="020B0604020202020204" pitchFamily="34" charset="0"/>
               </a:rPr>
               <a:t>MMV670652</a:t>
             </a:r>
@@ -3466,50 +3466,50 @@
             <a:pPr algn="ctr"/>
             <a:r>
               <a:rPr lang="en-US" sz="1400" dirty="0">
-                <a:latin typeface="Times New Roman" panose="02020603050405020304" pitchFamily="18" charset="0"/>
-                <a:cs typeface="Times New Roman" panose="02020603050405020304" pitchFamily="18" charset="0"/>
+                <a:latin typeface="Arial" panose="020B0604020202020204" pitchFamily="34" charset="0"/>
+                <a:cs typeface="Arial" panose="020B0604020202020204" pitchFamily="34" charset="0"/>
               </a:rPr>
               <a:t>R</a:t>
             </a:r>
             <a:r>
               <a:rPr lang="en-US" sz="1400" baseline="30000" dirty="0">
-                <a:latin typeface="Times New Roman" panose="02020603050405020304" pitchFamily="18" charset="0"/>
-                <a:cs typeface="Times New Roman" panose="02020603050405020304" pitchFamily="18" charset="0"/>
+                <a:latin typeface="Arial" panose="020B0604020202020204" pitchFamily="34" charset="0"/>
+                <a:cs typeface="Arial" panose="020B0604020202020204" pitchFamily="34" charset="0"/>
               </a:rPr>
               <a:t>1</a:t>
             </a:r>
             <a:r>
               <a:rPr lang="en-US" sz="1400" dirty="0">
-                <a:latin typeface="Times New Roman" panose="02020603050405020304" pitchFamily="18" charset="0"/>
-                <a:cs typeface="Times New Roman" panose="02020603050405020304" pitchFamily="18" charset="0"/>
+                <a:latin typeface="Arial" panose="020B0604020202020204" pitchFamily="34" charset="0"/>
+                <a:cs typeface="Arial" panose="020B0604020202020204" pitchFamily="34" charset="0"/>
               </a:rPr>
               <a:t> = OCF</a:t>
             </a:r>
             <a:r>
               <a:rPr lang="en-US" sz="1400" baseline="-25000" dirty="0">
-                <a:latin typeface="Times New Roman" panose="02020603050405020304" pitchFamily="18" charset="0"/>
-                <a:cs typeface="Times New Roman" panose="02020603050405020304" pitchFamily="18" charset="0"/>
+                <a:latin typeface="Arial" panose="020B0604020202020204" pitchFamily="34" charset="0"/>
+                <a:cs typeface="Arial" panose="020B0604020202020204" pitchFamily="34" charset="0"/>
               </a:rPr>
               <a:t>2</a:t>
             </a:r>
             <a:r>
               <a:rPr lang="en-US" sz="1400" dirty="0">
-                <a:latin typeface="Times New Roman" panose="02020603050405020304" pitchFamily="18" charset="0"/>
-                <a:cs typeface="Times New Roman" panose="02020603050405020304" pitchFamily="18" charset="0"/>
+                <a:latin typeface="Arial" panose="020B0604020202020204" pitchFamily="34" charset="0"/>
+                <a:cs typeface="Arial" panose="020B0604020202020204" pitchFamily="34" charset="0"/>
               </a:rPr>
               <a:t>H, R</a:t>
             </a:r>
             <a:r>
               <a:rPr lang="en-US" sz="1400" baseline="30000" dirty="0">
-                <a:latin typeface="Times New Roman" panose="02020603050405020304" pitchFamily="18" charset="0"/>
-                <a:cs typeface="Times New Roman" panose="02020603050405020304" pitchFamily="18" charset="0"/>
+                <a:latin typeface="Arial" panose="020B0604020202020204" pitchFamily="34" charset="0"/>
+                <a:cs typeface="Arial" panose="020B0604020202020204" pitchFamily="34" charset="0"/>
               </a:rPr>
               <a:t>2</a:t>
             </a:r>
             <a:r>
               <a:rPr lang="en-US" sz="1400" dirty="0">
-                <a:latin typeface="Times New Roman" panose="02020603050405020304" pitchFamily="18" charset="0"/>
-                <a:cs typeface="Times New Roman" panose="02020603050405020304" pitchFamily="18" charset="0"/>
+                <a:latin typeface="Arial" panose="020B0604020202020204" pitchFamily="34" charset="0"/>
+                <a:cs typeface="Arial" panose="020B0604020202020204" pitchFamily="34" charset="0"/>
               </a:rPr>
               <a:t> = CN</a:t>
             </a:r>
@@ -3518,35 +3518,35 @@
             <a:pPr algn="ctr"/>
             <a:r>
               <a:rPr lang="en-US" sz="1400" i="1" dirty="0" err="1">
-                <a:latin typeface="Times New Roman" panose="02020603050405020304" pitchFamily="18" charset="0"/>
-                <a:cs typeface="Times New Roman" panose="02020603050405020304" pitchFamily="18" charset="0"/>
+                <a:latin typeface="Arial" panose="020B0604020202020204" pitchFamily="34" charset="0"/>
+                <a:cs typeface="Arial" panose="020B0604020202020204" pitchFamily="34" charset="0"/>
               </a:rPr>
               <a:t>Pf</a:t>
             </a:r>
             <a:r>
               <a:rPr lang="en-US" sz="1400" dirty="0">
-                <a:latin typeface="Times New Roman" panose="02020603050405020304" pitchFamily="18" charset="0"/>
-                <a:cs typeface="Times New Roman" panose="02020603050405020304" pitchFamily="18" charset="0"/>
+                <a:latin typeface="Arial" panose="020B0604020202020204" pitchFamily="34" charset="0"/>
+                <a:cs typeface="Arial" panose="020B0604020202020204" pitchFamily="34" charset="0"/>
               </a:rPr>
               <a:t> IC</a:t>
             </a:r>
             <a:r>
               <a:rPr lang="en-US" sz="1400" baseline="-25000" dirty="0">
-                <a:latin typeface="Times New Roman" panose="02020603050405020304" pitchFamily="18" charset="0"/>
-                <a:cs typeface="Times New Roman" panose="02020603050405020304" pitchFamily="18" charset="0"/>
+                <a:latin typeface="Arial" panose="020B0604020202020204" pitchFamily="34" charset="0"/>
+                <a:cs typeface="Arial" panose="020B0604020202020204" pitchFamily="34" charset="0"/>
               </a:rPr>
               <a:t>50</a:t>
             </a:r>
             <a:r>
               <a:rPr lang="en-US" sz="1400" dirty="0">
-                <a:latin typeface="Times New Roman" panose="02020603050405020304" pitchFamily="18" charset="0"/>
-                <a:cs typeface="Times New Roman" panose="02020603050405020304" pitchFamily="18" charset="0"/>
+                <a:latin typeface="Arial" panose="020B0604020202020204" pitchFamily="34" charset="0"/>
+                <a:cs typeface="Arial" panose="020B0604020202020204" pitchFamily="34" charset="0"/>
               </a:rPr>
               <a:t> = 0.017 µM</a:t>
             </a:r>
             <a:endParaRPr lang="en-US" sz="1600" dirty="0">
-              <a:latin typeface="Times New Roman" panose="02020603050405020304" pitchFamily="18" charset="0"/>
-              <a:cs typeface="Times New Roman" panose="02020603050405020304" pitchFamily="18" charset="0"/>
+              <a:latin typeface="Arial" panose="020B0604020202020204" pitchFamily="34" charset="0"/>
+              <a:cs typeface="Arial" panose="020B0604020202020204" pitchFamily="34" charset="0"/>
             </a:endParaRPr>
           </a:p>
         </p:txBody>
